--- a/Wikidocs/pics_for_matrix.pptx
+++ b/Wikidocs/pics_for_matrix.pptx
@@ -270,7 +270,7 @@
           <a:p>
             <a:fld id="{CFE3EED8-ECA6-4669-BAF5-92CC35216992}" type="datetimeFigureOut">
               <a:rPr lang="en-US" smtClean="0"/>
-              <a:t>12/17/2022</a:t>
+              <a:t>12/18/2022</a:t>
             </a:fld>
             <a:endParaRPr lang="en-US"/>
           </a:p>
@@ -468,7 +468,7 @@
           <a:p>
             <a:fld id="{CFE3EED8-ECA6-4669-BAF5-92CC35216992}" type="datetimeFigureOut">
               <a:rPr lang="en-US" smtClean="0"/>
-              <a:t>12/17/2022</a:t>
+              <a:t>12/18/2022</a:t>
             </a:fld>
             <a:endParaRPr lang="en-US"/>
           </a:p>
@@ -676,7 +676,7 @@
           <a:p>
             <a:fld id="{CFE3EED8-ECA6-4669-BAF5-92CC35216992}" type="datetimeFigureOut">
               <a:rPr lang="en-US" smtClean="0"/>
-              <a:t>12/17/2022</a:t>
+              <a:t>12/18/2022</a:t>
             </a:fld>
             <a:endParaRPr lang="en-US"/>
           </a:p>
@@ -874,7 +874,7 @@
           <a:p>
             <a:fld id="{CFE3EED8-ECA6-4669-BAF5-92CC35216992}" type="datetimeFigureOut">
               <a:rPr lang="en-US" smtClean="0"/>
-              <a:t>12/17/2022</a:t>
+              <a:t>12/18/2022</a:t>
             </a:fld>
             <a:endParaRPr lang="en-US"/>
           </a:p>
@@ -1149,7 +1149,7 @@
           <a:p>
             <a:fld id="{CFE3EED8-ECA6-4669-BAF5-92CC35216992}" type="datetimeFigureOut">
               <a:rPr lang="en-US" smtClean="0"/>
-              <a:t>12/17/2022</a:t>
+              <a:t>12/18/2022</a:t>
             </a:fld>
             <a:endParaRPr lang="en-US"/>
           </a:p>
@@ -1414,7 +1414,7 @@
           <a:p>
             <a:fld id="{CFE3EED8-ECA6-4669-BAF5-92CC35216992}" type="datetimeFigureOut">
               <a:rPr lang="en-US" smtClean="0"/>
-              <a:t>12/17/2022</a:t>
+              <a:t>12/18/2022</a:t>
             </a:fld>
             <a:endParaRPr lang="en-US"/>
           </a:p>
@@ -1826,7 +1826,7 @@
           <a:p>
             <a:fld id="{CFE3EED8-ECA6-4669-BAF5-92CC35216992}" type="datetimeFigureOut">
               <a:rPr lang="en-US" smtClean="0"/>
-              <a:t>12/17/2022</a:t>
+              <a:t>12/18/2022</a:t>
             </a:fld>
             <a:endParaRPr lang="en-US"/>
           </a:p>
@@ -1967,7 +1967,7 @@
           <a:p>
             <a:fld id="{CFE3EED8-ECA6-4669-BAF5-92CC35216992}" type="datetimeFigureOut">
               <a:rPr lang="en-US" smtClean="0"/>
-              <a:t>12/17/2022</a:t>
+              <a:t>12/18/2022</a:t>
             </a:fld>
             <a:endParaRPr lang="en-US"/>
           </a:p>
@@ -2080,7 +2080,7 @@
           <a:p>
             <a:fld id="{CFE3EED8-ECA6-4669-BAF5-92CC35216992}" type="datetimeFigureOut">
               <a:rPr lang="en-US" smtClean="0"/>
-              <a:t>12/17/2022</a:t>
+              <a:t>12/18/2022</a:t>
             </a:fld>
             <a:endParaRPr lang="en-US"/>
           </a:p>
@@ -2391,7 +2391,7 @@
           <a:p>
             <a:fld id="{CFE3EED8-ECA6-4669-BAF5-92CC35216992}" type="datetimeFigureOut">
               <a:rPr lang="en-US" smtClean="0"/>
-              <a:t>12/17/2022</a:t>
+              <a:t>12/18/2022</a:t>
             </a:fld>
             <a:endParaRPr lang="en-US"/>
           </a:p>
@@ -2679,7 +2679,7 @@
           <a:p>
             <a:fld id="{CFE3EED8-ECA6-4669-BAF5-92CC35216992}" type="datetimeFigureOut">
               <a:rPr lang="en-US" smtClean="0"/>
-              <a:t>12/17/2022</a:t>
+              <a:t>12/18/2022</a:t>
             </a:fld>
             <a:endParaRPr lang="en-US"/>
           </a:p>
@@ -2920,7 +2920,7 @@
           <a:p>
             <a:fld id="{CFE3EED8-ECA6-4669-BAF5-92CC35216992}" type="datetimeFigureOut">
               <a:rPr lang="en-US" smtClean="0"/>
-              <a:t>12/17/2022</a:t>
+              <a:t>12/18/2022</a:t>
             </a:fld>
             <a:endParaRPr lang="en-US"/>
           </a:p>
@@ -3386,8 +3386,8 @@
           </a:p>
         </p:txBody>
       </p:sp>
-      <mc:AlternateContent xmlns:mc="http://schemas.openxmlformats.org/markup-compatibility/2006">
-        <mc:Choice xmlns:a14="http://schemas.microsoft.com/office/drawing/2010/main" Requires="a14">
+      <mc:AlternateContent xmlns:mc="http://schemas.openxmlformats.org/markup-compatibility/2006" xmlns:a14="http://schemas.microsoft.com/office/drawing/2010/main">
+        <mc:Choice Requires="a14">
           <p:graphicFrame>
             <p:nvGraphicFramePr>
               <p:cNvPr id="9" name="Table 9">
@@ -4629,7 +4629,7 @@
             </a:graphic>
           </p:graphicFrame>
         </mc:Choice>
-        <mc:Fallback>
+        <mc:Fallback xmlns="">
           <p:graphicFrame>
             <p:nvGraphicFramePr>
               <p:cNvPr id="9" name="Table 9">
@@ -6491,15 +6491,15 @@
         </p:nvSpPr>
         <p:spPr>
           <a:xfrm>
-            <a:off x="1826331" y="2653145"/>
-            <a:ext cx="599433" cy="1746667"/>
+            <a:off x="1826331" y="2706478"/>
+            <a:ext cx="599433" cy="783717"/>
           </a:xfrm>
           <a:prstGeom prst="roundRect">
             <a:avLst/>
           </a:prstGeom>
           <a:solidFill>
-            <a:srgbClr val="71B0DB">
-              <a:alpha val="40000"/>
+            <a:srgbClr val="3D26A8">
+              <a:alpha val="35000"/>
             </a:srgbClr>
           </a:solidFill>
           <a:ln>
@@ -6545,15 +6545,15 @@
         </p:nvSpPr>
         <p:spPr>
           <a:xfrm>
-            <a:off x="2711240" y="2653145"/>
-            <a:ext cx="599433" cy="1746667"/>
+            <a:off x="2711240" y="2706478"/>
+            <a:ext cx="599433" cy="783718"/>
           </a:xfrm>
           <a:prstGeom prst="roundRect">
             <a:avLst/>
           </a:prstGeom>
           <a:solidFill>
-            <a:srgbClr val="E68B64">
-              <a:alpha val="40000"/>
+            <a:srgbClr val="2796EB">
+              <a:alpha val="35000"/>
             </a:srgbClr>
           </a:solidFill>
           <a:ln>
@@ -6585,8 +6585,8 @@
           </a:p>
         </p:txBody>
       </p:sp>
-      <mc:AlternateContent xmlns:mc="http://schemas.openxmlformats.org/markup-compatibility/2006">
-        <mc:Choice xmlns:a14="http://schemas.microsoft.com/office/drawing/2010/main" Requires="a14">
+      <mc:AlternateContent xmlns:mc="http://schemas.openxmlformats.org/markup-compatibility/2006" xmlns:a14="http://schemas.microsoft.com/office/drawing/2010/main">
+        <mc:Choice Requires="a14">
           <p:sp>
             <p:nvSpPr>
               <p:cNvPr id="9" name="TextBox 8">
@@ -6615,6 +6615,7 @@
               </a:bodyPr>
               <a:lstStyle/>
               <a:p>
+                <a:pPr/>
                 <a14:m>
                   <m:oMathPara xmlns:m="http://schemas.openxmlformats.org/officeDocument/2006/math">
                     <m:oMathParaPr>
@@ -6641,7 +6642,7 @@
             </p:txBody>
           </p:sp>
         </mc:Choice>
-        <mc:Fallback>
+        <mc:Fallback xmlns="">
           <p:sp>
             <p:nvSpPr>
               <p:cNvPr id="9" name="TextBox 8">
@@ -6796,6 +6797,114 @@
           </a:prstGeom>
         </p:spPr>
       </p:pic>
+      <p:sp>
+        <p:nvSpPr>
+          <p:cNvPr id="2" name="Rectangle: Rounded Corners 1">
+            <a:extLst>
+              <a:ext uri="{FF2B5EF4-FFF2-40B4-BE49-F238E27FC236}">
+                <a16:creationId xmlns:a16="http://schemas.microsoft.com/office/drawing/2014/main" id="{2759D588-1AF1-22A5-A9F9-826E5E6FFC9C}"/>
+              </a:ext>
+            </a:extLst>
+          </p:cNvPr>
+          <p:cNvSpPr/>
+          <p:nvPr/>
+        </p:nvSpPr>
+        <p:spPr>
+          <a:xfrm>
+            <a:off x="1826331" y="3616094"/>
+            <a:ext cx="599433" cy="783717"/>
+          </a:xfrm>
+          <a:prstGeom prst="roundRect">
+            <a:avLst/>
+          </a:prstGeom>
+          <a:solidFill>
+            <a:srgbClr val="80CB58">
+              <a:alpha val="35000"/>
+            </a:srgbClr>
+          </a:solidFill>
+          <a:ln>
+            <a:noFill/>
+          </a:ln>
+        </p:spPr>
+        <p:style>
+          <a:lnRef idx="2">
+            <a:schemeClr val="accent1">
+              <a:shade val="50000"/>
+            </a:schemeClr>
+          </a:lnRef>
+          <a:fillRef idx="1">
+            <a:schemeClr val="accent1"/>
+          </a:fillRef>
+          <a:effectRef idx="0">
+            <a:schemeClr val="accent1"/>
+          </a:effectRef>
+          <a:fontRef idx="minor">
+            <a:schemeClr val="lt1"/>
+          </a:fontRef>
+        </p:style>
+        <p:txBody>
+          <a:bodyPr rtlCol="0" anchor="ctr"/>
+          <a:lstStyle/>
+          <a:p>
+            <a:pPr algn="ctr"/>
+            <a:endParaRPr lang="en-US" dirty="0"/>
+          </a:p>
+        </p:txBody>
+      </p:sp>
+      <p:sp>
+        <p:nvSpPr>
+          <p:cNvPr id="3" name="Rectangle: Rounded Corners 2">
+            <a:extLst>
+              <a:ext uri="{FF2B5EF4-FFF2-40B4-BE49-F238E27FC236}">
+                <a16:creationId xmlns:a16="http://schemas.microsoft.com/office/drawing/2014/main" id="{B036D391-CD22-0A86-D4A6-41227B1AB2E2}"/>
+              </a:ext>
+            </a:extLst>
+          </p:cNvPr>
+          <p:cNvSpPr/>
+          <p:nvPr/>
+        </p:nvSpPr>
+        <p:spPr>
+          <a:xfrm>
+            <a:off x="2711240" y="3616094"/>
+            <a:ext cx="599433" cy="783718"/>
+          </a:xfrm>
+          <a:prstGeom prst="roundRect">
+            <a:avLst/>
+          </a:prstGeom>
+          <a:solidFill>
+            <a:srgbClr val="F9FA14">
+              <a:alpha val="35000"/>
+            </a:srgbClr>
+          </a:solidFill>
+          <a:ln>
+            <a:noFill/>
+          </a:ln>
+        </p:spPr>
+        <p:style>
+          <a:lnRef idx="2">
+            <a:schemeClr val="accent1">
+              <a:shade val="50000"/>
+            </a:schemeClr>
+          </a:lnRef>
+          <a:fillRef idx="1">
+            <a:schemeClr val="accent1"/>
+          </a:fillRef>
+          <a:effectRef idx="0">
+            <a:schemeClr val="accent1"/>
+          </a:effectRef>
+          <a:fontRef idx="minor">
+            <a:schemeClr val="lt1"/>
+          </a:fontRef>
+        </p:style>
+        <p:txBody>
+          <a:bodyPr rtlCol="0" anchor="ctr"/>
+          <a:lstStyle/>
+          <a:p>
+            <a:pPr algn="ctr"/>
+            <a:endParaRPr lang="en-US"/>
+          </a:p>
+        </p:txBody>
+      </p:sp>
     </p:spTree>
     <p:extLst>
       <p:ext uri="{BB962C8B-B14F-4D97-AF65-F5344CB8AC3E}">
@@ -6943,8 +7052,8 @@
           </a:fontRef>
         </p:style>
       </p:cxnSp>
-      <mc:AlternateContent xmlns:mc="http://schemas.openxmlformats.org/markup-compatibility/2006">
-        <mc:Choice xmlns:a14="http://schemas.microsoft.com/office/drawing/2010/main" Requires="a14">
+      <mc:AlternateContent xmlns:mc="http://schemas.openxmlformats.org/markup-compatibility/2006" xmlns:a14="http://schemas.microsoft.com/office/drawing/2010/main">
+        <mc:Choice Requires="a14">
           <p:sp>
             <p:nvSpPr>
               <p:cNvPr id="11" name="TextBox 10">
@@ -6973,6 +7082,7 @@
               </a:bodyPr>
               <a:lstStyle/>
               <a:p>
+                <a:pPr/>
                 <a14:m>
                   <m:oMathPara xmlns:m="http://schemas.openxmlformats.org/officeDocument/2006/math">
                     <m:oMathParaPr>
@@ -6993,7 +7103,7 @@
             </p:txBody>
           </p:sp>
         </mc:Choice>
-        <mc:Fallback>
+        <mc:Fallback xmlns="">
           <p:sp>
             <p:nvSpPr>
               <p:cNvPr id="11" name="TextBox 10">
@@ -7038,8 +7148,8 @@
           </p:sp>
         </mc:Fallback>
       </mc:AlternateContent>
-      <mc:AlternateContent xmlns:mc="http://schemas.openxmlformats.org/markup-compatibility/2006">
-        <mc:Choice xmlns:a14="http://schemas.microsoft.com/office/drawing/2010/main" Requires="a14">
+      <mc:AlternateContent xmlns:mc="http://schemas.openxmlformats.org/markup-compatibility/2006" xmlns:a14="http://schemas.microsoft.com/office/drawing/2010/main">
+        <mc:Choice Requires="a14">
           <p:sp>
             <p:nvSpPr>
               <p:cNvPr id="12" name="TextBox 11">
@@ -7068,6 +7178,7 @@
               </a:bodyPr>
               <a:lstStyle/>
               <a:p>
+                <a:pPr/>
                 <a14:m>
                   <m:oMathPara xmlns:m="http://schemas.openxmlformats.org/officeDocument/2006/math">
                     <m:oMathParaPr>
@@ -7088,7 +7199,7 @@
             </p:txBody>
           </p:sp>
         </mc:Choice>
-        <mc:Fallback>
+        <mc:Fallback xmlns="">
           <p:sp>
             <p:nvSpPr>
               <p:cNvPr id="12" name="TextBox 11">
@@ -7251,8 +7362,8 @@
           </a:p>
         </p:txBody>
       </p:sp>
-      <mc:AlternateContent xmlns:mc="http://schemas.openxmlformats.org/markup-compatibility/2006">
-        <mc:Choice xmlns:a14="http://schemas.microsoft.com/office/drawing/2010/main" Requires="a14">
+      <mc:AlternateContent xmlns:mc="http://schemas.openxmlformats.org/markup-compatibility/2006" xmlns:a14="http://schemas.microsoft.com/office/drawing/2010/main">
+        <mc:Choice Requires="a14">
           <p:sp>
             <p:nvSpPr>
               <p:cNvPr id="19" name="TextBox 18">
@@ -7288,6 +7399,7 @@
               </a:bodyPr>
               <a:lstStyle/>
               <a:p>
+                <a:pPr/>
                 <a14:m>
                   <m:oMathPara xmlns:m="http://schemas.openxmlformats.org/officeDocument/2006/math">
                     <m:oMathParaPr>
@@ -7362,7 +7474,7 @@
             </p:txBody>
           </p:sp>
         </mc:Choice>
-        <mc:Fallback>
+        <mc:Fallback xmlns="">
           <p:sp>
             <p:nvSpPr>
               <p:cNvPr id="19" name="TextBox 18">
@@ -7412,8 +7524,8 @@
           </p:sp>
         </mc:Fallback>
       </mc:AlternateContent>
-      <mc:AlternateContent xmlns:mc="http://schemas.openxmlformats.org/markup-compatibility/2006">
-        <mc:Choice xmlns:a14="http://schemas.microsoft.com/office/drawing/2010/main" Requires="a14">
+      <mc:AlternateContent xmlns:mc="http://schemas.openxmlformats.org/markup-compatibility/2006" xmlns:a14="http://schemas.microsoft.com/office/drawing/2010/main">
+        <mc:Choice Requires="a14">
           <p:sp>
             <p:nvSpPr>
               <p:cNvPr id="20" name="TextBox 19">
@@ -7442,6 +7554,7 @@
               </a:bodyPr>
               <a:lstStyle/>
               <a:p>
+                <a:pPr/>
                 <a14:m>
                   <m:oMathPara xmlns:m="http://schemas.openxmlformats.org/officeDocument/2006/math">
                     <m:oMathParaPr>
@@ -7462,7 +7575,7 @@
             </p:txBody>
           </p:sp>
         </mc:Choice>
-        <mc:Fallback>
+        <mc:Fallback xmlns="">
           <p:sp>
             <p:nvSpPr>
               <p:cNvPr id="20" name="TextBox 19">
@@ -7507,8 +7620,8 @@
           </p:sp>
         </mc:Fallback>
       </mc:AlternateContent>
-      <mc:AlternateContent xmlns:mc="http://schemas.openxmlformats.org/markup-compatibility/2006">
-        <mc:Choice xmlns:a14="http://schemas.microsoft.com/office/drawing/2010/main" Requires="a14">
+      <mc:AlternateContent xmlns:mc="http://schemas.openxmlformats.org/markup-compatibility/2006" xmlns:a14="http://schemas.microsoft.com/office/drawing/2010/main">
+        <mc:Choice Requires="a14">
           <p:sp>
             <p:nvSpPr>
               <p:cNvPr id="21" name="TextBox 20">
@@ -7537,6 +7650,7 @@
               </a:bodyPr>
               <a:lstStyle/>
               <a:p>
+                <a:pPr/>
                 <a14:m>
                   <m:oMathPara xmlns:m="http://schemas.openxmlformats.org/officeDocument/2006/math">
                     <m:oMathParaPr>
@@ -7557,7 +7671,7 @@
             </p:txBody>
           </p:sp>
         </mc:Choice>
-        <mc:Fallback>
+        <mc:Fallback xmlns="">
           <p:sp>
             <p:nvSpPr>
               <p:cNvPr id="21" name="TextBox 20">
@@ -8126,8 +8240,8 @@
           </a:p>
         </p:txBody>
       </p:sp>
-      <mc:AlternateContent xmlns:mc="http://schemas.openxmlformats.org/markup-compatibility/2006">
-        <mc:Choice xmlns:a14="http://schemas.microsoft.com/office/drawing/2010/main" Requires="a14">
+      <mc:AlternateContent xmlns:mc="http://schemas.openxmlformats.org/markup-compatibility/2006" xmlns:a14="http://schemas.microsoft.com/office/drawing/2010/main">
+        <mc:Choice Requires="a14">
           <p:sp>
             <p:nvSpPr>
               <p:cNvPr id="16" name="TextBox 15">
@@ -8156,6 +8270,7 @@
               </a:bodyPr>
               <a:lstStyle/>
               <a:p>
+                <a:pPr/>
                 <a14:m>
                   <m:oMathPara xmlns:m="http://schemas.openxmlformats.org/officeDocument/2006/math">
                     <m:oMathParaPr>
@@ -8182,7 +8297,7 @@
             </p:txBody>
           </p:sp>
         </mc:Choice>
-        <mc:Fallback>
+        <mc:Fallback xmlns="">
           <p:sp>
             <p:nvSpPr>
               <p:cNvPr id="16" name="TextBox 15">
@@ -29553,8 +29668,8 @@
           </a:p>
         </p:txBody>
       </p:sp>
-      <mc:AlternateContent xmlns:mc="http://schemas.openxmlformats.org/markup-compatibility/2006">
-        <mc:Choice xmlns:a14="http://schemas.microsoft.com/office/drawing/2010/main" Requires="a14">
+      <mc:AlternateContent xmlns:mc="http://schemas.openxmlformats.org/markup-compatibility/2006" xmlns:a14="http://schemas.microsoft.com/office/drawing/2010/main">
+        <mc:Choice Requires="a14">
           <p:sp>
             <p:nvSpPr>
               <p:cNvPr id="16" name="TextBox 15">
@@ -29583,6 +29698,7 @@
               </a:bodyPr>
               <a:lstStyle/>
               <a:p>
+                <a:pPr/>
                 <a14:m>
                   <m:oMathPara xmlns:m="http://schemas.openxmlformats.org/officeDocument/2006/math">
                     <m:oMathParaPr>
@@ -29609,7 +29725,7 @@
             </p:txBody>
           </p:sp>
         </mc:Choice>
-        <mc:Fallback>
+        <mc:Fallback xmlns="">
           <p:sp>
             <p:nvSpPr>
               <p:cNvPr id="16" name="TextBox 15">
